--- a/RECOMEÇAR.pptx
+++ b/RECOMEÇAR.pptx
@@ -222,7 +222,7 @@
           <a:p>
             <a:fld id="{0A8D8AA7-A16F-4482-B86A-E3C94F602178}" type="datetimeFigureOut">
               <a:rPr lang="pt-BR" smtClean="0"/>
-              <a:t>25/08/2019</a:t>
+              <a:t>28/08/2022</a:t>
             </a:fld>
             <a:endParaRPr lang="pt-BR"/>
           </a:p>
@@ -752,7 +752,7 @@
           <a:p>
             <a:fld id="{0858DAC2-4401-4631-B648-0D91882C1BF2}" type="datetimeFigureOut">
               <a:rPr lang="pt-BR" smtClean="0"/>
-              <a:t>25/08/2019</a:t>
+              <a:t>28/08/2022</a:t>
             </a:fld>
             <a:endParaRPr lang="pt-BR"/>
           </a:p>
@@ -920,7 +920,7 @@
           <a:p>
             <a:fld id="{0858DAC2-4401-4631-B648-0D91882C1BF2}" type="datetimeFigureOut">
               <a:rPr lang="pt-BR" smtClean="0"/>
-              <a:t>25/08/2019</a:t>
+              <a:t>28/08/2022</a:t>
             </a:fld>
             <a:endParaRPr lang="pt-BR"/>
           </a:p>
@@ -1098,7 +1098,7 @@
           <a:p>
             <a:fld id="{0858DAC2-4401-4631-B648-0D91882C1BF2}" type="datetimeFigureOut">
               <a:rPr lang="pt-BR" smtClean="0"/>
-              <a:t>25/08/2019</a:t>
+              <a:t>28/08/2022</a:t>
             </a:fld>
             <a:endParaRPr lang="pt-BR"/>
           </a:p>
@@ -1266,7 +1266,7 @@
           <a:p>
             <a:fld id="{0858DAC2-4401-4631-B648-0D91882C1BF2}" type="datetimeFigureOut">
               <a:rPr lang="pt-BR" smtClean="0"/>
-              <a:t>25/08/2019</a:t>
+              <a:t>28/08/2022</a:t>
             </a:fld>
             <a:endParaRPr lang="pt-BR"/>
           </a:p>
@@ -1511,7 +1511,7 @@
           <a:p>
             <a:fld id="{0858DAC2-4401-4631-B648-0D91882C1BF2}" type="datetimeFigureOut">
               <a:rPr lang="pt-BR" smtClean="0"/>
-              <a:t>25/08/2019</a:t>
+              <a:t>28/08/2022</a:t>
             </a:fld>
             <a:endParaRPr lang="pt-BR"/>
           </a:p>
@@ -1796,7 +1796,7 @@
           <a:p>
             <a:fld id="{0858DAC2-4401-4631-B648-0D91882C1BF2}" type="datetimeFigureOut">
               <a:rPr lang="pt-BR" smtClean="0"/>
-              <a:t>25/08/2019</a:t>
+              <a:t>28/08/2022</a:t>
             </a:fld>
             <a:endParaRPr lang="pt-BR"/>
           </a:p>
@@ -2215,7 +2215,7 @@
           <a:p>
             <a:fld id="{0858DAC2-4401-4631-B648-0D91882C1BF2}" type="datetimeFigureOut">
               <a:rPr lang="pt-BR" smtClean="0"/>
-              <a:t>25/08/2019</a:t>
+              <a:t>28/08/2022</a:t>
             </a:fld>
             <a:endParaRPr lang="pt-BR"/>
           </a:p>
@@ -2332,7 +2332,7 @@
           <a:p>
             <a:fld id="{0858DAC2-4401-4631-B648-0D91882C1BF2}" type="datetimeFigureOut">
               <a:rPr lang="pt-BR" smtClean="0"/>
-              <a:t>25/08/2019</a:t>
+              <a:t>28/08/2022</a:t>
             </a:fld>
             <a:endParaRPr lang="pt-BR"/>
           </a:p>
@@ -2427,7 +2427,7 @@
           <a:p>
             <a:fld id="{0858DAC2-4401-4631-B648-0D91882C1BF2}" type="datetimeFigureOut">
               <a:rPr lang="pt-BR" smtClean="0"/>
-              <a:t>25/08/2019</a:t>
+              <a:t>28/08/2022</a:t>
             </a:fld>
             <a:endParaRPr lang="pt-BR"/>
           </a:p>
@@ -2702,7 +2702,7 @@
           <a:p>
             <a:fld id="{0858DAC2-4401-4631-B648-0D91882C1BF2}" type="datetimeFigureOut">
               <a:rPr lang="pt-BR" smtClean="0"/>
-              <a:t>25/08/2019</a:t>
+              <a:t>28/08/2022</a:t>
             </a:fld>
             <a:endParaRPr lang="pt-BR"/>
           </a:p>
@@ -2954,7 +2954,7 @@
           <a:p>
             <a:fld id="{0858DAC2-4401-4631-B648-0D91882C1BF2}" type="datetimeFigureOut">
               <a:rPr lang="pt-BR" smtClean="0"/>
-              <a:t>25/08/2019</a:t>
+              <a:t>28/08/2022</a:t>
             </a:fld>
             <a:endParaRPr lang="pt-BR"/>
           </a:p>
@@ -3165,7 +3165,7 @@
           <a:p>
             <a:fld id="{0858DAC2-4401-4631-B648-0D91882C1BF2}" type="datetimeFigureOut">
               <a:rPr lang="pt-BR" smtClean="0"/>
-              <a:t>25/08/2019</a:t>
+              <a:t>28/08/2022</a:t>
             </a:fld>
             <a:endParaRPr lang="pt-BR"/>
           </a:p>
@@ -3597,7 +3597,7 @@
                 <a:hlinkClick r:id="rId4">
                   <a:extLst>
                     <a:ext uri="{A12FA001-AC4F-418D-AE19-62706E023703}">
-                      <ahyp:hlinkClr xmlns:ahyp="http://schemas.microsoft.com/office/drawing/2018/hyperlinkcolor" val="tx"/>
+                      <ahyp:hlinkClr xmlns:ahyp="http://schemas.microsoft.com/office/drawing/2018/hyperlinkcolor" xmlns="" val="tx"/>
                     </a:ext>
                   </a:extLst>
                 </a:hlinkClick>
@@ -3621,6 +3621,13 @@
   <p:clrMapOvr>
     <a:masterClrMapping/>
   </p:clrMapOvr>
+  <p:timing>
+    <p:tnLst>
+      <p:par>
+        <p:cTn id="1" dur="indefinite" restart="never" nodeType="tmRoot"/>
+      </p:par>
+    </p:tnLst>
+  </p:timing>
 </p:sld>
 </file>
 
@@ -3746,6 +3753,13 @@
   <p:clrMapOvr>
     <a:masterClrMapping/>
   </p:clrMapOvr>
+  <p:timing>
+    <p:tnLst>
+      <p:par>
+        <p:cTn id="1" dur="indefinite" restart="never" nodeType="tmRoot"/>
+      </p:par>
+    </p:tnLst>
+  </p:timing>
 </p:sld>
 </file>
 
@@ -3882,6 +3896,13 @@
   <p:clrMapOvr>
     <a:masterClrMapping/>
   </p:clrMapOvr>
+  <p:timing>
+    <p:tnLst>
+      <p:par>
+        <p:cTn id="1" dur="indefinite" restart="never" nodeType="tmRoot"/>
+      </p:par>
+    </p:tnLst>
+  </p:timing>
 </p:sld>
 </file>
 
@@ -4316,6 +4337,12 @@
           <a:lstStyle/>
           <a:p>
             <a:pPr algn="ctr"/>
+            <a:r>
+              <a:rPr lang="pt-BR" sz="8000" dirty="0">
+                <a:latin typeface="Arial Black" panose="020B0A04020102020204" pitchFamily="34" charset="0"/>
+              </a:rPr>
+              <a:t/>
+            </a:r>
             <a:br>
               <a:rPr lang="pt-BR" sz="8000" dirty="0">
                 <a:latin typeface="Arial Black" panose="020B0A04020102020204" pitchFamily="34" charset="0"/>
@@ -4490,6 +4517,13 @@
   <p:clrMapOvr>
     <a:masterClrMapping/>
   </p:clrMapOvr>
+  <p:timing>
+    <p:tnLst>
+      <p:par>
+        <p:cTn id="1" dur="indefinite" restart="never" nodeType="tmRoot"/>
+      </p:par>
+    </p:tnLst>
+  </p:timing>
 </p:sld>
 </file>
 
@@ -4593,6 +4627,13 @@
   <p:clrMapOvr>
     <a:masterClrMapping/>
   </p:clrMapOvr>
+  <p:timing>
+    <p:tnLst>
+      <p:par>
+        <p:cTn id="1" dur="indefinite" restart="never" nodeType="tmRoot"/>
+      </p:par>
+    </p:tnLst>
+  </p:timing>
 </p:sld>
 </file>
 
@@ -4696,6 +4737,13 @@
   <p:clrMapOvr>
     <a:masterClrMapping/>
   </p:clrMapOvr>
+  <p:timing>
+    <p:tnLst>
+      <p:par>
+        <p:cTn id="1" dur="indefinite" restart="never" nodeType="tmRoot"/>
+      </p:par>
+    </p:tnLst>
+  </p:timing>
 </p:sld>
 </file>
 
@@ -4810,6 +4858,13 @@
   <p:clrMapOvr>
     <a:masterClrMapping/>
   </p:clrMapOvr>
+  <p:timing>
+    <p:tnLst>
+      <p:par>
+        <p:cTn id="1" dur="indefinite" restart="never" nodeType="tmRoot"/>
+      </p:par>
+    </p:tnLst>
+  </p:timing>
 </p:sld>
 </file>
 
@@ -4935,6 +4990,13 @@
   <p:clrMapOvr>
     <a:masterClrMapping/>
   </p:clrMapOvr>
+  <p:timing>
+    <p:tnLst>
+      <p:par>
+        <p:cTn id="1" dur="indefinite" restart="never" nodeType="tmRoot"/>
+      </p:par>
+    </p:tnLst>
+  </p:timing>
 </p:sld>
 </file>
 
@@ -5049,6 +5111,13 @@
   <p:clrMapOvr>
     <a:masterClrMapping/>
   </p:clrMapOvr>
+  <p:timing>
+    <p:tnLst>
+      <p:par>
+        <p:cTn id="1" dur="indefinite" restart="never" nodeType="tmRoot"/>
+      </p:par>
+    </p:tnLst>
+  </p:timing>
 </p:sld>
 </file>
 
@@ -5152,6 +5221,13 @@
   <p:clrMapOvr>
     <a:masterClrMapping/>
   </p:clrMapOvr>
+  <p:timing>
+    <p:tnLst>
+      <p:par>
+        <p:cTn id="1" dur="indefinite" restart="never" nodeType="tmRoot"/>
+      </p:par>
+    </p:tnLst>
+  </p:timing>
 </p:sld>
 </file>
 
@@ -5310,6 +5386,13 @@
   <p:clrMapOvr>
     <a:masterClrMapping/>
   </p:clrMapOvr>
+  <p:timing>
+    <p:tnLst>
+      <p:par>
+        <p:cTn id="1" dur="indefinite" restart="never" nodeType="tmRoot"/>
+      </p:par>
+    </p:tnLst>
+  </p:timing>
 </p:sld>
 </file>
 

--- a/RECOMEÇAR.pptx
+++ b/RECOMEÇAR.pptx
@@ -222,7 +222,7 @@
           <a:p>
             <a:fld id="{0A8D8AA7-A16F-4482-B86A-E3C94F602178}" type="datetimeFigureOut">
               <a:rPr lang="pt-BR" smtClean="0"/>
-              <a:t>28/08/2022</a:t>
+              <a:t>25/08/2019</a:t>
             </a:fld>
             <a:endParaRPr lang="pt-BR"/>
           </a:p>
@@ -752,7 +752,7 @@
           <a:p>
             <a:fld id="{0858DAC2-4401-4631-B648-0D91882C1BF2}" type="datetimeFigureOut">
               <a:rPr lang="pt-BR" smtClean="0"/>
-              <a:t>28/08/2022</a:t>
+              <a:t>25/08/2019</a:t>
             </a:fld>
             <a:endParaRPr lang="pt-BR"/>
           </a:p>
@@ -920,7 +920,7 @@
           <a:p>
             <a:fld id="{0858DAC2-4401-4631-B648-0D91882C1BF2}" type="datetimeFigureOut">
               <a:rPr lang="pt-BR" smtClean="0"/>
-              <a:t>28/08/2022</a:t>
+              <a:t>25/08/2019</a:t>
             </a:fld>
             <a:endParaRPr lang="pt-BR"/>
           </a:p>
@@ -1098,7 +1098,7 @@
           <a:p>
             <a:fld id="{0858DAC2-4401-4631-B648-0D91882C1BF2}" type="datetimeFigureOut">
               <a:rPr lang="pt-BR" smtClean="0"/>
-              <a:t>28/08/2022</a:t>
+              <a:t>25/08/2019</a:t>
             </a:fld>
             <a:endParaRPr lang="pt-BR"/>
           </a:p>
@@ -1266,7 +1266,7 @@
           <a:p>
             <a:fld id="{0858DAC2-4401-4631-B648-0D91882C1BF2}" type="datetimeFigureOut">
               <a:rPr lang="pt-BR" smtClean="0"/>
-              <a:t>28/08/2022</a:t>
+              <a:t>25/08/2019</a:t>
             </a:fld>
             <a:endParaRPr lang="pt-BR"/>
           </a:p>
@@ -1511,7 +1511,7 @@
           <a:p>
             <a:fld id="{0858DAC2-4401-4631-B648-0D91882C1BF2}" type="datetimeFigureOut">
               <a:rPr lang="pt-BR" smtClean="0"/>
-              <a:t>28/08/2022</a:t>
+              <a:t>25/08/2019</a:t>
             </a:fld>
             <a:endParaRPr lang="pt-BR"/>
           </a:p>
@@ -1796,7 +1796,7 @@
           <a:p>
             <a:fld id="{0858DAC2-4401-4631-B648-0D91882C1BF2}" type="datetimeFigureOut">
               <a:rPr lang="pt-BR" smtClean="0"/>
-              <a:t>28/08/2022</a:t>
+              <a:t>25/08/2019</a:t>
             </a:fld>
             <a:endParaRPr lang="pt-BR"/>
           </a:p>
@@ -2215,7 +2215,7 @@
           <a:p>
             <a:fld id="{0858DAC2-4401-4631-B648-0D91882C1BF2}" type="datetimeFigureOut">
               <a:rPr lang="pt-BR" smtClean="0"/>
-              <a:t>28/08/2022</a:t>
+              <a:t>25/08/2019</a:t>
             </a:fld>
             <a:endParaRPr lang="pt-BR"/>
           </a:p>
@@ -2332,7 +2332,7 @@
           <a:p>
             <a:fld id="{0858DAC2-4401-4631-B648-0D91882C1BF2}" type="datetimeFigureOut">
               <a:rPr lang="pt-BR" smtClean="0"/>
-              <a:t>28/08/2022</a:t>
+              <a:t>25/08/2019</a:t>
             </a:fld>
             <a:endParaRPr lang="pt-BR"/>
           </a:p>
@@ -2427,7 +2427,7 @@
           <a:p>
             <a:fld id="{0858DAC2-4401-4631-B648-0D91882C1BF2}" type="datetimeFigureOut">
               <a:rPr lang="pt-BR" smtClean="0"/>
-              <a:t>28/08/2022</a:t>
+              <a:t>25/08/2019</a:t>
             </a:fld>
             <a:endParaRPr lang="pt-BR"/>
           </a:p>
@@ -2702,7 +2702,7 @@
           <a:p>
             <a:fld id="{0858DAC2-4401-4631-B648-0D91882C1BF2}" type="datetimeFigureOut">
               <a:rPr lang="pt-BR" smtClean="0"/>
-              <a:t>28/08/2022</a:t>
+              <a:t>25/08/2019</a:t>
             </a:fld>
             <a:endParaRPr lang="pt-BR"/>
           </a:p>
@@ -2954,7 +2954,7 @@
           <a:p>
             <a:fld id="{0858DAC2-4401-4631-B648-0D91882C1BF2}" type="datetimeFigureOut">
               <a:rPr lang="pt-BR" smtClean="0"/>
-              <a:t>28/08/2022</a:t>
+              <a:t>25/08/2019</a:t>
             </a:fld>
             <a:endParaRPr lang="pt-BR"/>
           </a:p>
@@ -3165,7 +3165,7 @@
           <a:p>
             <a:fld id="{0858DAC2-4401-4631-B648-0D91882C1BF2}" type="datetimeFigureOut">
               <a:rPr lang="pt-BR" smtClean="0"/>
-              <a:t>28/08/2022</a:t>
+              <a:t>25/08/2019</a:t>
             </a:fld>
             <a:endParaRPr lang="pt-BR"/>
           </a:p>
@@ -3597,7 +3597,7 @@
                 <a:hlinkClick r:id="rId4">
                   <a:extLst>
                     <a:ext uri="{A12FA001-AC4F-418D-AE19-62706E023703}">
-                      <ahyp:hlinkClr xmlns:ahyp="http://schemas.microsoft.com/office/drawing/2018/hyperlinkcolor" xmlns="" val="tx"/>
+                      <ahyp:hlinkClr xmlns:ahyp="http://schemas.microsoft.com/office/drawing/2018/hyperlinkcolor" val="tx"/>
                     </a:ext>
                   </a:extLst>
                 </a:hlinkClick>
@@ -3621,13 +3621,6 @@
   <p:clrMapOvr>
     <a:masterClrMapping/>
   </p:clrMapOvr>
-  <p:timing>
-    <p:tnLst>
-      <p:par>
-        <p:cTn id="1" dur="indefinite" restart="never" nodeType="tmRoot"/>
-      </p:par>
-    </p:tnLst>
-  </p:timing>
 </p:sld>
 </file>
 
@@ -3753,13 +3746,6 @@
   <p:clrMapOvr>
     <a:masterClrMapping/>
   </p:clrMapOvr>
-  <p:timing>
-    <p:tnLst>
-      <p:par>
-        <p:cTn id="1" dur="indefinite" restart="never" nodeType="tmRoot"/>
-      </p:par>
-    </p:tnLst>
-  </p:timing>
 </p:sld>
 </file>
 
@@ -3896,13 +3882,6 @@
   <p:clrMapOvr>
     <a:masterClrMapping/>
   </p:clrMapOvr>
-  <p:timing>
-    <p:tnLst>
-      <p:par>
-        <p:cTn id="1" dur="indefinite" restart="never" nodeType="tmRoot"/>
-      </p:par>
-    </p:tnLst>
-  </p:timing>
 </p:sld>
 </file>
 
@@ -4337,12 +4316,6 @@
           <a:lstStyle/>
           <a:p>
             <a:pPr algn="ctr"/>
-            <a:r>
-              <a:rPr lang="pt-BR" sz="8000" dirty="0">
-                <a:latin typeface="Arial Black" panose="020B0A04020102020204" pitchFamily="34" charset="0"/>
-              </a:rPr>
-              <a:t/>
-            </a:r>
             <a:br>
               <a:rPr lang="pt-BR" sz="8000" dirty="0">
                 <a:latin typeface="Arial Black" panose="020B0A04020102020204" pitchFamily="34" charset="0"/>
@@ -4517,13 +4490,6 @@
   <p:clrMapOvr>
     <a:masterClrMapping/>
   </p:clrMapOvr>
-  <p:timing>
-    <p:tnLst>
-      <p:par>
-        <p:cTn id="1" dur="indefinite" restart="never" nodeType="tmRoot"/>
-      </p:par>
-    </p:tnLst>
-  </p:timing>
 </p:sld>
 </file>
 
@@ -4627,13 +4593,6 @@
   <p:clrMapOvr>
     <a:masterClrMapping/>
   </p:clrMapOvr>
-  <p:timing>
-    <p:tnLst>
-      <p:par>
-        <p:cTn id="1" dur="indefinite" restart="never" nodeType="tmRoot"/>
-      </p:par>
-    </p:tnLst>
-  </p:timing>
 </p:sld>
 </file>
 
@@ -4737,13 +4696,6 @@
   <p:clrMapOvr>
     <a:masterClrMapping/>
   </p:clrMapOvr>
-  <p:timing>
-    <p:tnLst>
-      <p:par>
-        <p:cTn id="1" dur="indefinite" restart="never" nodeType="tmRoot"/>
-      </p:par>
-    </p:tnLst>
-  </p:timing>
 </p:sld>
 </file>
 
@@ -4858,13 +4810,6 @@
   <p:clrMapOvr>
     <a:masterClrMapping/>
   </p:clrMapOvr>
-  <p:timing>
-    <p:tnLst>
-      <p:par>
-        <p:cTn id="1" dur="indefinite" restart="never" nodeType="tmRoot"/>
-      </p:par>
-    </p:tnLst>
-  </p:timing>
 </p:sld>
 </file>
 
@@ -4990,13 +4935,6 @@
   <p:clrMapOvr>
     <a:masterClrMapping/>
   </p:clrMapOvr>
-  <p:timing>
-    <p:tnLst>
-      <p:par>
-        <p:cTn id="1" dur="indefinite" restart="never" nodeType="tmRoot"/>
-      </p:par>
-    </p:tnLst>
-  </p:timing>
 </p:sld>
 </file>
 
@@ -5111,13 +5049,6 @@
   <p:clrMapOvr>
     <a:masterClrMapping/>
   </p:clrMapOvr>
-  <p:timing>
-    <p:tnLst>
-      <p:par>
-        <p:cTn id="1" dur="indefinite" restart="never" nodeType="tmRoot"/>
-      </p:par>
-    </p:tnLst>
-  </p:timing>
 </p:sld>
 </file>
 
@@ -5221,13 +5152,6 @@
   <p:clrMapOvr>
     <a:masterClrMapping/>
   </p:clrMapOvr>
-  <p:timing>
-    <p:tnLst>
-      <p:par>
-        <p:cTn id="1" dur="indefinite" restart="never" nodeType="tmRoot"/>
-      </p:par>
-    </p:tnLst>
-  </p:timing>
 </p:sld>
 </file>
 
@@ -5386,13 +5310,6 @@
   <p:clrMapOvr>
     <a:masterClrMapping/>
   </p:clrMapOvr>
-  <p:timing>
-    <p:tnLst>
-      <p:par>
-        <p:cTn id="1" dur="indefinite" restart="never" nodeType="tmRoot"/>
-      </p:par>
-    </p:tnLst>
-  </p:timing>
 </p:sld>
 </file>
 
